--- a/Assets/Exposing Azure OpenAI service.pptx
+++ b/Assets/Exposing Azure OpenAI service.pptx
@@ -221,7 +221,7 @@
           <a:p>
             <a:fld id="{1CB24A15-5D56-452A-8A88-1086FCEF08CC}" type="datetimeFigureOut">
               <a:rPr lang="en-US" smtClean="0"/>
-              <a:t>8/15/2023</a:t>
+              <a:t>8/21/2023</a:t>
             </a:fld>
             <a:endParaRPr lang="en-US"/>
           </a:p>
@@ -619,7 +619,7 @@
           <a:p>
             <a:fld id="{35AC3888-52C6-48A5-B06A-E32212579B7B}" type="datetimeFigureOut">
               <a:rPr lang="en-US" smtClean="0"/>
-              <a:t>8/15/2023</a:t>
+              <a:t>8/21/2023</a:t>
             </a:fld>
             <a:endParaRPr lang="en-US"/>
           </a:p>
@@ -789,7 +789,7 @@
           <a:p>
             <a:fld id="{35AC3888-52C6-48A5-B06A-E32212579B7B}" type="datetimeFigureOut">
               <a:rPr lang="en-US" smtClean="0"/>
-              <a:t>8/15/2023</a:t>
+              <a:t>8/21/2023</a:t>
             </a:fld>
             <a:endParaRPr lang="en-US"/>
           </a:p>
@@ -969,7 +969,7 @@
           <a:p>
             <a:fld id="{35AC3888-52C6-48A5-B06A-E32212579B7B}" type="datetimeFigureOut">
               <a:rPr lang="en-US" smtClean="0"/>
-              <a:t>8/15/2023</a:t>
+              <a:t>8/21/2023</a:t>
             </a:fld>
             <a:endParaRPr lang="en-US"/>
           </a:p>
@@ -2652,7 +2652,7 @@
           <a:p>
             <a:fld id="{35AC3888-52C6-48A5-B06A-E32212579B7B}" type="datetimeFigureOut">
               <a:rPr lang="en-US" smtClean="0"/>
-              <a:t>8/15/2023</a:t>
+              <a:t>8/21/2023</a:t>
             </a:fld>
             <a:endParaRPr lang="en-US"/>
           </a:p>
@@ -3608,7 +3608,7 @@
           <a:p>
             <a:fld id="{35AC3888-52C6-48A5-B06A-E32212579B7B}" type="datetimeFigureOut">
               <a:rPr lang="en-US" smtClean="0"/>
-              <a:t>8/15/2023</a:t>
+              <a:t>8/21/2023</a:t>
             </a:fld>
             <a:endParaRPr lang="en-US"/>
           </a:p>
@@ -3840,7 +3840,7 @@
           <a:p>
             <a:fld id="{35AC3888-52C6-48A5-B06A-E32212579B7B}" type="datetimeFigureOut">
               <a:rPr lang="en-US" smtClean="0"/>
-              <a:t>8/15/2023</a:t>
+              <a:t>8/21/2023</a:t>
             </a:fld>
             <a:endParaRPr lang="en-US"/>
           </a:p>
@@ -4207,7 +4207,7 @@
           <a:p>
             <a:fld id="{35AC3888-52C6-48A5-B06A-E32212579B7B}" type="datetimeFigureOut">
               <a:rPr lang="en-US" smtClean="0"/>
-              <a:t>8/15/2023</a:t>
+              <a:t>8/21/2023</a:t>
             </a:fld>
             <a:endParaRPr lang="en-US"/>
           </a:p>
@@ -4325,7 +4325,7 @@
           <a:p>
             <a:fld id="{35AC3888-52C6-48A5-B06A-E32212579B7B}" type="datetimeFigureOut">
               <a:rPr lang="en-US" smtClean="0"/>
-              <a:t>8/15/2023</a:t>
+              <a:t>8/21/2023</a:t>
             </a:fld>
             <a:endParaRPr lang="en-US"/>
           </a:p>
@@ -4420,7 +4420,7 @@
           <a:p>
             <a:fld id="{35AC3888-52C6-48A5-B06A-E32212579B7B}" type="datetimeFigureOut">
               <a:rPr lang="en-US" smtClean="0"/>
-              <a:t>8/15/2023</a:t>
+              <a:t>8/21/2023</a:t>
             </a:fld>
             <a:endParaRPr lang="en-US"/>
           </a:p>
@@ -4697,7 +4697,7 @@
           <a:p>
             <a:fld id="{35AC3888-52C6-48A5-B06A-E32212579B7B}" type="datetimeFigureOut">
               <a:rPr lang="en-US" smtClean="0"/>
-              <a:t>8/15/2023</a:t>
+              <a:t>8/21/2023</a:t>
             </a:fld>
             <a:endParaRPr lang="en-US"/>
           </a:p>
@@ -4954,7 +4954,7 @@
           <a:p>
             <a:fld id="{35AC3888-52C6-48A5-B06A-E32212579B7B}" type="datetimeFigureOut">
               <a:rPr lang="en-US" smtClean="0"/>
-              <a:t>8/15/2023</a:t>
+              <a:t>8/21/2023</a:t>
             </a:fld>
             <a:endParaRPr lang="en-US"/>
           </a:p>
@@ -5167,7 +5167,7 @@
           <a:p>
             <a:fld id="{35AC3888-52C6-48A5-B06A-E32212579B7B}" type="datetimeFigureOut">
               <a:rPr lang="en-US" smtClean="0"/>
-              <a:t>8/15/2023</a:t>
+              <a:t>8/21/2023</a:t>
             </a:fld>
             <a:endParaRPr lang="en-US"/>
           </a:p>
@@ -7921,13 +7921,8 @@
           <a:p>
             <a:r>
               <a:rPr lang="en-US" dirty="0"/>
-              <a:t>With multiple </a:t>
-            </a:r>
-            <a:r>
-              <a:rPr lang="en-US"/>
-              <a:t>Azure Subscriptions</a:t>
-            </a:r>
-            <a:endParaRPr lang="en-US" dirty="0"/>
+              <a:t>With multiple Azure Subscription, or resource groups</a:t>
+            </a:r>
           </a:p>
         </p:txBody>
       </p:sp>
@@ -8028,9 +8023,9 @@
         <p:grpSpPr>
           <a:xfrm>
             <a:off x="947484" y="5656123"/>
-            <a:ext cx="2062010" cy="284008"/>
+            <a:ext cx="3155258" cy="284008"/>
             <a:chOff x="2120638" y="5535390"/>
-            <a:chExt cx="2062010" cy="284008"/>
+            <a:chExt cx="3155258" cy="284008"/>
           </a:xfrm>
         </p:grpSpPr>
         <p:pic>
@@ -8087,7 +8082,7 @@
           <p:spPr>
             <a:xfrm>
               <a:off x="2327653" y="5535390"/>
-              <a:ext cx="1854995" cy="261610"/>
+              <a:ext cx="2948243" cy="261610"/>
             </a:xfrm>
             <a:prstGeom prst="rect">
               <a:avLst/>
@@ -8102,7 +8097,7 @@
             <a:p>
               <a:r>
                 <a:rPr lang="en-US" sz="1100" dirty="0"/>
-                <a:t>Azure subscription for tenant</a:t>
+                <a:t>Azure subscription, or resource group for tenant</a:t>
               </a:r>
             </a:p>
           </p:txBody>
@@ -10032,7 +10027,7 @@
         <p:spPr>
           <a:xfrm>
             <a:off x="8087661" y="917858"/>
-            <a:ext cx="4010092" cy="4616648"/>
+            <a:ext cx="4010092" cy="4832092"/>
           </a:xfrm>
           <a:prstGeom prst="rect">
             <a:avLst/>
@@ -10057,7 +10052,7 @@
             </a:pPr>
             <a:r>
               <a:rPr lang="en-US" sz="1400" dirty="0"/>
-              <a:t>A “forwarding” Azure Subscription that has Azure API Management.</a:t>
+              <a:t>A “forwarding” Azure Subscription, or resource group  that has Azure API Management.</a:t>
             </a:r>
           </a:p>
           <a:p>
@@ -10077,7 +10072,7 @@
             </a:r>
             <a:r>
               <a:rPr lang="en-US" sz="1400" dirty="0"/>
-              <a:t> with the Virtual Network in “forwarding” Azure Subscription. </a:t>
+              <a:t> with the Virtual Network in “forwarding” Azure Subscription, or resource group . </a:t>
             </a:r>
             <a:r>
               <a:rPr lang="en-US" sz="1400" dirty="0">
@@ -10143,7 +10138,7 @@
             </a:pPr>
             <a:r>
               <a:rPr lang="en-US" sz="1400" dirty="0"/>
-              <a:t>Service is called from the API management on the front end Azure subscription</a:t>
+              <a:t>Service is called from the API management on the front end Azure subscription, or resource group</a:t>
             </a:r>
           </a:p>
           <a:p>
@@ -10417,9 +10412,9 @@
         <p:grpSpPr>
           <a:xfrm>
             <a:off x="2309649" y="670129"/>
-            <a:ext cx="2010714" cy="284008"/>
+            <a:ext cx="3103962" cy="284008"/>
             <a:chOff x="2120638" y="5535390"/>
-            <a:chExt cx="2010714" cy="284008"/>
+            <a:chExt cx="3103962" cy="284008"/>
           </a:xfrm>
         </p:grpSpPr>
         <p:pic>
@@ -10476,7 +10471,7 @@
           <p:spPr>
             <a:xfrm>
               <a:off x="2327653" y="5535390"/>
-              <a:ext cx="1803699" cy="261610"/>
+              <a:ext cx="2896947" cy="261610"/>
             </a:xfrm>
             <a:prstGeom prst="rect">
               <a:avLst/>
@@ -10491,7 +10486,7 @@
             <a:p>
               <a:r>
                 <a:rPr lang="en-US" sz="1100" dirty="0"/>
-                <a:t>Frontend Azure subscription</a:t>
+                <a:t>Frontend Azure subscription, or resource group</a:t>
               </a:r>
             </a:p>
           </p:txBody>
@@ -11872,9 +11867,9 @@
         <p:grpSpPr>
           <a:xfrm>
             <a:off x="947484" y="5656123"/>
-            <a:ext cx="2062010" cy="284008"/>
+            <a:ext cx="3155258" cy="284008"/>
             <a:chOff x="2120638" y="5535390"/>
-            <a:chExt cx="2062010" cy="284008"/>
+            <a:chExt cx="3155258" cy="284008"/>
           </a:xfrm>
         </p:grpSpPr>
         <p:pic>
@@ -11931,7 +11926,7 @@
           <p:spPr>
             <a:xfrm>
               <a:off x="2327653" y="5535390"/>
-              <a:ext cx="1854995" cy="261610"/>
+              <a:ext cx="2948243" cy="261610"/>
             </a:xfrm>
             <a:prstGeom prst="rect">
               <a:avLst/>
@@ -11946,7 +11941,7 @@
             <a:p>
               <a:r>
                 <a:rPr lang="en-US" sz="1100" dirty="0"/>
-                <a:t>Azure subscription for tenant</a:t>
+                <a:t>Azure subscription, or resource group for tenant</a:t>
               </a:r>
             </a:p>
           </p:txBody>
@@ -12574,9 +12569,9 @@
         <p:grpSpPr>
           <a:xfrm>
             <a:off x="947484" y="5656123"/>
-            <a:ext cx="2062010" cy="284008"/>
+            <a:ext cx="3155258" cy="284008"/>
             <a:chOff x="2120638" y="5535390"/>
-            <a:chExt cx="2062010" cy="284008"/>
+            <a:chExt cx="3155258" cy="284008"/>
           </a:xfrm>
         </p:grpSpPr>
         <p:pic>
@@ -12633,7 +12628,7 @@
           <p:spPr>
             <a:xfrm>
               <a:off x="2327653" y="5535390"/>
-              <a:ext cx="1854995" cy="261610"/>
+              <a:ext cx="2948243" cy="261610"/>
             </a:xfrm>
             <a:prstGeom prst="rect">
               <a:avLst/>
@@ -12648,7 +12643,7 @@
             <a:p>
               <a:r>
                 <a:rPr lang="en-US" sz="1100" dirty="0"/>
-                <a:t>Azure subscription for tenant</a:t>
+                <a:t>Azure subscription, or resource group for tenant</a:t>
               </a:r>
             </a:p>
           </p:txBody>
@@ -13748,9 +13743,9 @@
         <p:grpSpPr>
           <a:xfrm>
             <a:off x="947484" y="5656123"/>
-            <a:ext cx="2062010" cy="284008"/>
+            <a:ext cx="3155258" cy="284008"/>
             <a:chOff x="2120638" y="5535390"/>
-            <a:chExt cx="2062010" cy="284008"/>
+            <a:chExt cx="3155258" cy="284008"/>
           </a:xfrm>
         </p:grpSpPr>
         <p:pic>
@@ -13807,7 +13802,7 @@
           <p:spPr>
             <a:xfrm>
               <a:off x="2327653" y="5535390"/>
-              <a:ext cx="1854995" cy="261610"/>
+              <a:ext cx="2948243" cy="261610"/>
             </a:xfrm>
             <a:prstGeom prst="rect">
               <a:avLst/>
@@ -13822,7 +13817,7 @@
             <a:p>
               <a:r>
                 <a:rPr lang="en-US" sz="1100" dirty="0"/>
-                <a:t>Azure subscription for tenant</a:t>
+                <a:t>Azure subscription, or resource group for tenant</a:t>
               </a:r>
             </a:p>
           </p:txBody>
@@ -15896,24 +15891,12 @@
 </file>
 
 <file path=customXml/item1.xml><?xml version="1.0" encoding="utf-8"?>
-<p:properties xmlns:p="http://schemas.microsoft.com/office/2006/metadata/properties" xmlns:xsi="http://www.w3.org/2001/XMLSchema-instance" xmlns:pc="http://schemas.microsoft.com/office/infopath/2007/PartnerControls">
-  <documentManagement>
-    <m6b5 xmlns="4b37d27f-04de-49ab-b625-99097993372a" xsi:nil="true"/>
-    <_ip_UnifiedCompliancePolicyUIAction xmlns="http://schemas.microsoft.com/sharepoint/v3" xsi:nil="true"/>
-    <lcf76f155ced4ddcb4097134ff3c332f xmlns="4b37d27f-04de-49ab-b625-99097993372a">
-      <Terms xmlns="http://schemas.microsoft.com/office/infopath/2007/PartnerControls"/>
-    </lcf76f155ced4ddcb4097134ff3c332f>
-    <p1um xmlns="4b37d27f-04de-49ab-b625-99097993372a" xsi:nil="true"/>
-    <jkri xmlns="4b37d27f-04de-49ab-b625-99097993372a" xsi:nil="true"/>
-    <_ip_UnifiedCompliancePolicyProperties xmlns="http://schemas.microsoft.com/sharepoint/v3" xsi:nil="true"/>
-    <kall xmlns="4b37d27f-04de-49ab-b625-99097993372a" xsi:nil="true"/>
-    <Comments xmlns="4b37d27f-04de-49ab-b625-99097993372a" xsi:nil="true"/>
-    <cwpa xmlns="4b37d27f-04de-49ab-b625-99097993372a" xsi:nil="true"/>
-    <MediaServiceKeyPoints xmlns="4b37d27f-04de-49ab-b625-99097993372a" xsi:nil="true"/>
-    <metalabel xmlns="4b37d27f-04de-49ab-b625-99097993372a" xsi:nil="true"/>
-    <TaxCatchAll xmlns="230e9df3-be65-4c73-a93b-d1236ebd677e" xsi:nil="true"/>
-  </documentManagement>
-</p:properties>
+<?mso-contentType ?>
+<FormTemplates xmlns="http://schemas.microsoft.com/sharepoint/v3/contenttype/forms">
+  <Display>DocumentLibraryForm</Display>
+  <Edit>DocumentLibraryForm</Edit>
+  <New>DocumentLibraryForm</New>
+</FormTemplates>
 </file>
 
 <file path=customXml/item2.xml><?xml version="1.0" encoding="utf-8"?>
@@ -16240,22 +16223,30 @@
 </file>
 
 <file path=customXml/item3.xml><?xml version="1.0" encoding="utf-8"?>
-<?mso-contentType ?>
-<FormTemplates xmlns="http://schemas.microsoft.com/sharepoint/v3/contenttype/forms">
-  <Display>DocumentLibraryForm</Display>
-  <Edit>DocumentLibraryForm</Edit>
-  <New>DocumentLibraryForm</New>
-</FormTemplates>
+<p:properties xmlns:p="http://schemas.microsoft.com/office/2006/metadata/properties" xmlns:xsi="http://www.w3.org/2001/XMLSchema-instance" xmlns:pc="http://schemas.microsoft.com/office/infopath/2007/PartnerControls">
+  <documentManagement>
+    <m6b5 xmlns="4b37d27f-04de-49ab-b625-99097993372a" xsi:nil="true"/>
+    <_ip_UnifiedCompliancePolicyUIAction xmlns="http://schemas.microsoft.com/sharepoint/v3" xsi:nil="true"/>
+    <lcf76f155ced4ddcb4097134ff3c332f xmlns="4b37d27f-04de-49ab-b625-99097993372a">
+      <Terms xmlns="http://schemas.microsoft.com/office/infopath/2007/PartnerControls"/>
+    </lcf76f155ced4ddcb4097134ff3c332f>
+    <p1um xmlns="4b37d27f-04de-49ab-b625-99097993372a" xsi:nil="true"/>
+    <jkri xmlns="4b37d27f-04de-49ab-b625-99097993372a" xsi:nil="true"/>
+    <_ip_UnifiedCompliancePolicyProperties xmlns="http://schemas.microsoft.com/sharepoint/v3" xsi:nil="true"/>
+    <kall xmlns="4b37d27f-04de-49ab-b625-99097993372a" xsi:nil="true"/>
+    <Comments xmlns="4b37d27f-04de-49ab-b625-99097993372a" xsi:nil="true"/>
+    <cwpa xmlns="4b37d27f-04de-49ab-b625-99097993372a" xsi:nil="true"/>
+    <MediaServiceKeyPoints xmlns="4b37d27f-04de-49ab-b625-99097993372a" xsi:nil="true"/>
+    <metalabel xmlns="4b37d27f-04de-49ab-b625-99097993372a" xsi:nil="true"/>
+    <TaxCatchAll xmlns="230e9df3-be65-4c73-a93b-d1236ebd677e" xsi:nil="true"/>
+  </documentManagement>
+</p:properties>
 </file>
 
 <file path=customXml/itemProps1.xml><?xml version="1.0" encoding="utf-8"?>
-<ds:datastoreItem xmlns:ds="http://schemas.openxmlformats.org/officeDocument/2006/customXml" ds:itemID="{E9565898-D8D9-4B03-9085-5D1CE65D785F}">
+<ds:datastoreItem xmlns:ds="http://schemas.openxmlformats.org/officeDocument/2006/customXml" ds:itemID="{77FAEA12-F492-4124-9952-82BDB105819F}">
   <ds:schemaRefs>
-    <ds:schemaRef ds:uri="http://schemas.microsoft.com/office/2006/metadata/properties"/>
-    <ds:schemaRef ds:uri="http://schemas.microsoft.com/office/infopath/2007/PartnerControls"/>
-    <ds:schemaRef ds:uri="4b37d27f-04de-49ab-b625-99097993372a"/>
-    <ds:schemaRef ds:uri="http://schemas.microsoft.com/sharepoint/v3"/>
-    <ds:schemaRef ds:uri="230e9df3-be65-4c73-a93b-d1236ebd677e"/>
+    <ds:schemaRef ds:uri="http://schemas.microsoft.com/sharepoint/v3/contenttype/forms"/>
   </ds:schemaRefs>
 </ds:datastoreItem>
 </file>
@@ -16282,9 +16273,13 @@
 </file>
 
 <file path=customXml/itemProps3.xml><?xml version="1.0" encoding="utf-8"?>
-<ds:datastoreItem xmlns:ds="http://schemas.openxmlformats.org/officeDocument/2006/customXml" ds:itemID="{77FAEA12-F492-4124-9952-82BDB105819F}">
+<ds:datastoreItem xmlns:ds="http://schemas.openxmlformats.org/officeDocument/2006/customXml" ds:itemID="{E9565898-D8D9-4B03-9085-5D1CE65D785F}">
   <ds:schemaRefs>
-    <ds:schemaRef ds:uri="http://schemas.microsoft.com/sharepoint/v3/contenttype/forms"/>
+    <ds:schemaRef ds:uri="http://schemas.microsoft.com/office/2006/metadata/properties"/>
+    <ds:schemaRef ds:uri="http://schemas.microsoft.com/office/infopath/2007/PartnerControls"/>
+    <ds:schemaRef ds:uri="4b37d27f-04de-49ab-b625-99097993372a"/>
+    <ds:schemaRef ds:uri="http://schemas.microsoft.com/sharepoint/v3"/>
+    <ds:schemaRef ds:uri="230e9df3-be65-4c73-a93b-d1236ebd677e"/>
   </ds:schemaRefs>
 </ds:datastoreItem>
 </file>
